--- a/week2/控制流程與函式-2.pptx
+++ b/week2/控制流程與函式-2.pptx
@@ -5,7 +5,7 @@
     <p:sldMasterId id="2147483677" r:id="rId1"/>
   </p:sldMasterIdLst>
   <p:notesMasterIdLst>
-    <p:notesMasterId r:id="rId23"/>
+    <p:notesMasterId r:id="rId25"/>
   </p:notesMasterIdLst>
   <p:sldIdLst>
     <p:sldId id="258" r:id="rId2"/>
@@ -29,6 +29,8 @@
     <p:sldId id="307" r:id="rId20"/>
     <p:sldId id="308" r:id="rId21"/>
     <p:sldId id="309" r:id="rId22"/>
+    <p:sldId id="317" r:id="rId23"/>
+    <p:sldId id="318" r:id="rId24"/>
   </p:sldIdLst>
   <p:sldSz cx="6858000" cy="5143500"/>
   <p:notesSz cx="6858000" cy="9144000"/>
@@ -153,6 +155,8 @@
             <p14:sldId id="307"/>
             <p14:sldId id="308"/>
             <p14:sldId id="309"/>
+            <p14:sldId id="317"/>
+            <p14:sldId id="318"/>
           </p14:sldIdLst>
         </p14:section>
       </p14:sectionLst>
@@ -257,7 +261,7 @@
           <a:p>
             <a:fld id="{04FE2EF8-1D33-4847-BD22-7061247669A4}" type="datetimeFigureOut">
               <a:rPr lang="zh-TW" altLang="en-US" smtClean="0"/>
-              <a:t>2021/3/7</a:t>
+              <a:t>2021/3/9</a:t>
             </a:fld>
             <a:endParaRPr lang="zh-TW" altLang="en-US"/>
           </a:p>
@@ -11437,6 +11441,356 @@
     <p:extLst>
       <p:ext uri="{BB962C8B-B14F-4D97-AF65-F5344CB8AC3E}">
         <p14:creationId xmlns:p14="http://schemas.microsoft.com/office/powerpoint/2010/main" val="2745924037"/>
+      </p:ext>
+    </p:extLst>
+  </p:cSld>
+  <p:clrMapOvr>
+    <a:masterClrMapping/>
+  </p:clrMapOvr>
+</p:sld>
+</file>
+
+<file path=ppt/slides/slide22.xml><?xml version="1.0" encoding="utf-8"?>
+<p:sld xmlns:a="http://schemas.openxmlformats.org/drawingml/2006/main" xmlns:r="http://schemas.openxmlformats.org/officeDocument/2006/relationships" xmlns:p="http://schemas.openxmlformats.org/presentationml/2006/main">
+  <p:cSld>
+    <p:spTree>
+      <p:nvGrpSpPr>
+        <p:cNvPr id="1" name=""/>
+        <p:cNvGrpSpPr/>
+        <p:nvPr/>
+      </p:nvGrpSpPr>
+      <p:grpSpPr>
+        <a:xfrm>
+          <a:off x="0" y="0"/>
+          <a:ext cx="0" cy="0"/>
+          <a:chOff x="0" y="0"/>
+          <a:chExt cx="0" cy="0"/>
+        </a:xfrm>
+      </p:grpSpPr>
+      <p:sp>
+        <p:nvSpPr>
+          <p:cNvPr id="2" name="標題 1">
+            <a:extLst>
+              <a:ext uri="{FF2B5EF4-FFF2-40B4-BE49-F238E27FC236}">
+                <a16:creationId xmlns:a16="http://schemas.microsoft.com/office/drawing/2014/main" id="{B85DE1E3-E6ED-475F-A0AF-77705B526BF7}"/>
+              </a:ext>
+            </a:extLst>
+          </p:cNvPr>
+          <p:cNvSpPr>
+            <a:spLocks noGrp="1"/>
+          </p:cNvSpPr>
+          <p:nvPr>
+            <p:ph type="title"/>
+          </p:nvPr>
+        </p:nvSpPr>
+        <p:spPr/>
+        <p:txBody>
+          <a:bodyPr/>
+          <a:lstStyle/>
+          <a:p>
+            <a:r>
+              <a:rPr lang="en-US" altLang="zh-TW" dirty="0" smtClean="0"/>
+              <a:t>Lab03</a:t>
+            </a:r>
+            <a:endParaRPr lang="zh-TW" altLang="en-US" dirty="0"/>
+          </a:p>
+        </p:txBody>
+      </p:sp>
+      <p:sp>
+        <p:nvSpPr>
+          <p:cNvPr id="4" name="頁尾版面配置區 3">
+            <a:extLst>
+              <a:ext uri="{FF2B5EF4-FFF2-40B4-BE49-F238E27FC236}">
+                <a16:creationId xmlns:a16="http://schemas.microsoft.com/office/drawing/2014/main" id="{F4607253-3E26-4312-ADAB-976CD03412D6}"/>
+              </a:ext>
+            </a:extLst>
+          </p:cNvPr>
+          <p:cNvSpPr>
+            <a:spLocks noGrp="1"/>
+          </p:cNvSpPr>
+          <p:nvPr>
+            <p:ph type="ftr" sz="quarter" idx="10"/>
+          </p:nvPr>
+        </p:nvSpPr>
+        <p:spPr/>
+        <p:txBody>
+          <a:bodyPr/>
+          <a:lstStyle/>
+          <a:p>
+            <a:pPr algn="ctr"/>
+            <a:r>
+              <a:rPr lang="zh-TW" altLang="en-US"/>
+              <a:t>國立雲林科技大學 互動多媒體設計實驗室</a:t>
+            </a:r>
+            <a:endParaRPr lang="zh-TW" altLang="en-US" dirty="0"/>
+          </a:p>
+        </p:txBody>
+      </p:sp>
+      <p:sp>
+        <p:nvSpPr>
+          <p:cNvPr id="5" name="投影片編號版面配置區 4">
+            <a:extLst>
+              <a:ext uri="{FF2B5EF4-FFF2-40B4-BE49-F238E27FC236}">
+                <a16:creationId xmlns:a16="http://schemas.microsoft.com/office/drawing/2014/main" id="{9FFAAD6B-D15A-4B5D-AA8D-846AD275CED3}"/>
+              </a:ext>
+            </a:extLst>
+          </p:cNvPr>
+          <p:cNvSpPr>
+            <a:spLocks noGrp="1"/>
+          </p:cNvSpPr>
+          <p:nvPr>
+            <p:ph type="sldNum" sz="quarter" idx="11"/>
+          </p:nvPr>
+        </p:nvSpPr>
+        <p:spPr/>
+        <p:txBody>
+          <a:bodyPr/>
+          <a:lstStyle/>
+          <a:p>
+            <a:fld id="{8B1F3F81-B14A-46F6-8DE3-A694209316C8}" type="slidenum">
+              <a:rPr lang="en-US" smtClean="0"/>
+              <a:pPr/>
+              <a:t>22</a:t>
+            </a:fld>
+            <a:endParaRPr lang="en-US" dirty="0"/>
+          </a:p>
+        </p:txBody>
+      </p:sp>
+    </p:spTree>
+    <p:extLst>
+      <p:ext uri="{BB962C8B-B14F-4D97-AF65-F5344CB8AC3E}">
+        <p14:creationId xmlns:p14="http://schemas.microsoft.com/office/powerpoint/2010/main" val="1198884848"/>
+      </p:ext>
+    </p:extLst>
+  </p:cSld>
+  <p:clrMapOvr>
+    <a:masterClrMapping/>
+  </p:clrMapOvr>
+</p:sld>
+</file>
+
+<file path=ppt/slides/slide23.xml><?xml version="1.0" encoding="utf-8"?>
+<p:sld xmlns:a="http://schemas.openxmlformats.org/drawingml/2006/main" xmlns:r="http://schemas.openxmlformats.org/officeDocument/2006/relationships" xmlns:p="http://schemas.openxmlformats.org/presentationml/2006/main">
+  <p:cSld>
+    <p:spTree>
+      <p:nvGrpSpPr>
+        <p:cNvPr id="1" name=""/>
+        <p:cNvGrpSpPr/>
+        <p:nvPr/>
+      </p:nvGrpSpPr>
+      <p:grpSpPr>
+        <a:xfrm>
+          <a:off x="0" y="0"/>
+          <a:ext cx="0" cy="0"/>
+          <a:chOff x="0" y="0"/>
+          <a:chExt cx="0" cy="0"/>
+        </a:xfrm>
+      </p:grpSpPr>
+      <p:sp>
+        <p:nvSpPr>
+          <p:cNvPr id="2" name="標題 1">
+            <a:extLst>
+              <a:ext uri="{FF2B5EF4-FFF2-40B4-BE49-F238E27FC236}">
+                <a16:creationId xmlns:a16="http://schemas.microsoft.com/office/drawing/2014/main" id="{B85DE1E3-E6ED-475F-A0AF-77705B526BF7}"/>
+              </a:ext>
+            </a:extLst>
+          </p:cNvPr>
+          <p:cNvSpPr>
+            <a:spLocks noGrp="1"/>
+          </p:cNvSpPr>
+          <p:nvPr>
+            <p:ph type="title"/>
+          </p:nvPr>
+        </p:nvSpPr>
+        <p:spPr/>
+        <p:txBody>
+          <a:bodyPr/>
+          <a:lstStyle/>
+          <a:p>
+            <a:r>
+              <a:rPr lang="en-US" altLang="zh-TW" dirty="0" smtClean="0"/>
+              <a:t>Lab03</a:t>
+            </a:r>
+            <a:endParaRPr lang="zh-TW" altLang="en-US" dirty="0"/>
+          </a:p>
+        </p:txBody>
+      </p:sp>
+      <p:sp>
+        <p:nvSpPr>
+          <p:cNvPr id="4" name="頁尾版面配置區 3">
+            <a:extLst>
+              <a:ext uri="{FF2B5EF4-FFF2-40B4-BE49-F238E27FC236}">
+                <a16:creationId xmlns:a16="http://schemas.microsoft.com/office/drawing/2014/main" id="{F4607253-3E26-4312-ADAB-976CD03412D6}"/>
+              </a:ext>
+            </a:extLst>
+          </p:cNvPr>
+          <p:cNvSpPr>
+            <a:spLocks noGrp="1"/>
+          </p:cNvSpPr>
+          <p:nvPr>
+            <p:ph type="ftr" sz="quarter" idx="10"/>
+          </p:nvPr>
+        </p:nvSpPr>
+        <p:spPr/>
+        <p:txBody>
+          <a:bodyPr/>
+          <a:lstStyle/>
+          <a:p>
+            <a:pPr algn="ctr"/>
+            <a:r>
+              <a:rPr lang="zh-TW" altLang="en-US"/>
+              <a:t>國立雲林科技大學 互動多媒體設計實驗室</a:t>
+            </a:r>
+            <a:endParaRPr lang="zh-TW" altLang="en-US" dirty="0"/>
+          </a:p>
+        </p:txBody>
+      </p:sp>
+      <p:sp>
+        <p:nvSpPr>
+          <p:cNvPr id="5" name="投影片編號版面配置區 4">
+            <a:extLst>
+              <a:ext uri="{FF2B5EF4-FFF2-40B4-BE49-F238E27FC236}">
+                <a16:creationId xmlns:a16="http://schemas.microsoft.com/office/drawing/2014/main" id="{9FFAAD6B-D15A-4B5D-AA8D-846AD275CED3}"/>
+              </a:ext>
+            </a:extLst>
+          </p:cNvPr>
+          <p:cNvSpPr>
+            <a:spLocks noGrp="1"/>
+          </p:cNvSpPr>
+          <p:nvPr>
+            <p:ph type="sldNum" sz="quarter" idx="11"/>
+          </p:nvPr>
+        </p:nvSpPr>
+        <p:spPr/>
+        <p:txBody>
+          <a:bodyPr/>
+          <a:lstStyle/>
+          <a:p>
+            <a:fld id="{8B1F3F81-B14A-46F6-8DE3-A694209316C8}" type="slidenum">
+              <a:rPr lang="en-US" smtClean="0"/>
+              <a:pPr/>
+              <a:t>23</a:t>
+            </a:fld>
+            <a:endParaRPr lang="en-US" dirty="0"/>
+          </a:p>
+        </p:txBody>
+      </p:sp>
+      <p:sp>
+        <p:nvSpPr>
+          <p:cNvPr id="3" name="矩形 2">
+            <a:extLst>
+              <a:ext uri="{FF2B5EF4-FFF2-40B4-BE49-F238E27FC236}">
+                <a16:creationId xmlns:a16="http://schemas.microsoft.com/office/drawing/2014/main" id="{A6BA9146-F632-4CE7-B880-BE2C2D0F2C49}"/>
+              </a:ext>
+            </a:extLst>
+          </p:cNvPr>
+          <p:cNvSpPr/>
+          <p:nvPr/>
+        </p:nvSpPr>
+        <p:spPr>
+          <a:xfrm>
+            <a:off x="260652" y="1283792"/>
+            <a:ext cx="6912768" cy="3539430"/>
+          </a:xfrm>
+          <a:prstGeom prst="rect">
+            <a:avLst/>
+          </a:prstGeom>
+        </p:spPr>
+        <p:txBody>
+          <a:bodyPr wrap="square">
+            <a:spAutoFit/>
+          </a:bodyPr>
+          <a:lstStyle/>
+          <a:p>
+            <a:r>
+              <a:rPr lang="zh-TW" altLang="en-US" sz="1600" dirty="0"/>
+              <a:t>&lt;body&gt;</a:t>
+            </a:r>
+          </a:p>
+          <a:p>
+            <a:r>
+              <a:rPr lang="zh-TW" altLang="en-US" sz="1600" dirty="0"/>
+              <a:t>    &lt;p id="demo"&gt;&lt;/p&gt;</a:t>
+            </a:r>
+          </a:p>
+          <a:p>
+            <a:r>
+              <a:rPr lang="zh-TW" altLang="en-US" sz="1600" dirty="0"/>
+              <a:t>    &lt;p&gt;請輸入華氏溫度&lt;input type="text" id='fahrenheitId'&gt;度&lt;/p&gt;</a:t>
+            </a:r>
+          </a:p>
+          <a:p>
+            <a:r>
+              <a:rPr lang="zh-TW" altLang="en-US" sz="1600" dirty="0"/>
+              <a:t>    &lt;p&gt;&lt;button onclick="toCelsius(f)"&gt;轉換成攝氏&lt;/button&gt;&lt;/p&gt;</a:t>
+            </a:r>
+          </a:p>
+          <a:p>
+            <a:r>
+              <a:rPr lang="zh-TW" altLang="en-US" sz="1600" dirty="0"/>
+              <a:t>    &lt;p&gt;得出的攝氏溫度為&lt;em id='totalId'&gt;&lt;/em&gt;度。&lt;/p&gt;     </a:t>
+            </a:r>
+          </a:p>
+          <a:p>
+            <a:r>
+              <a:rPr lang="zh-TW" altLang="en-US" sz="1600" dirty="0"/>
+              <a:t>      &lt;script&gt; </a:t>
+            </a:r>
+          </a:p>
+          <a:p>
+            <a:r>
+              <a:rPr lang="zh-TW" altLang="en-US" sz="1600" dirty="0"/>
+              <a:t>    var f; </a:t>
+            </a:r>
+          </a:p>
+          <a:p>
+            <a:r>
+              <a:rPr lang="zh-TW" altLang="en-US" sz="1600" dirty="0"/>
+              <a:t>    function toCelsius(f) {</a:t>
+            </a:r>
+          </a:p>
+          <a:p>
+            <a:r>
+              <a:rPr lang="zh-TW" altLang="en-US" sz="1600" dirty="0"/>
+              <a:t>          var f = parseInt(document.getElementById('fahrenheitId').value);</a:t>
+            </a:r>
+          </a:p>
+          <a:p>
+            <a:r>
+              <a:rPr lang="zh-TW" altLang="en-US" sz="1600" dirty="0"/>
+              <a:t>          var c = (5/9) * (f-32);          </a:t>
+            </a:r>
+          </a:p>
+          <a:p>
+            <a:r>
+              <a:rPr lang="zh-TW" altLang="en-US" sz="1600" dirty="0"/>
+              <a:t>          document.getElementById('totalId').textContent = c.toFixed(2);                 </a:t>
+            </a:r>
+          </a:p>
+          <a:p>
+            <a:r>
+              <a:rPr lang="zh-TW" altLang="en-US" sz="1600" dirty="0"/>
+              <a:t>          }          </a:t>
+            </a:r>
+          </a:p>
+          <a:p>
+            <a:r>
+              <a:rPr lang="zh-TW" altLang="en-US" sz="1600" dirty="0"/>
+              <a:t>      &lt;/script&gt;  </a:t>
+            </a:r>
+          </a:p>
+          <a:p>
+            <a:r>
+              <a:rPr lang="zh-TW" altLang="en-US" sz="1600" dirty="0"/>
+              <a:t>    &lt;/body&gt;</a:t>
+            </a:r>
+          </a:p>
+        </p:txBody>
+      </p:sp>
+    </p:spTree>
+    <p:extLst>
+      <p:ext uri="{BB962C8B-B14F-4D97-AF65-F5344CB8AC3E}">
+        <p14:creationId xmlns:p14="http://schemas.microsoft.com/office/powerpoint/2010/main" val="4029844114"/>
       </p:ext>
     </p:extLst>
   </p:cSld>
